--- a/webpack进阶.pptx
+++ b/webpack进阶.pptx
@@ -13,6 +13,15 @@
     <p:sldId id="263" r:id="rId8"/>
     <p:sldId id="262" r:id="rId9"/>
     <p:sldId id="265" r:id="rId10"/>
+    <p:sldId id="268" r:id="rId11"/>
+    <p:sldId id="270" r:id="rId12"/>
+    <p:sldId id="271" r:id="rId13"/>
+    <p:sldId id="276" r:id="rId14"/>
+    <p:sldId id="272" r:id="rId15"/>
+    <p:sldId id="274" r:id="rId16"/>
+    <p:sldId id="277" r:id="rId17"/>
+    <p:sldId id="279" r:id="rId18"/>
+    <p:sldId id="278" r:id="rId19"/>
   </p:sldIdLst>
   <p:sldSz cx="12192000" cy="6858000"/>
   <p:notesSz cx="7103745" cy="10234295"/>
@@ -2683,6 +2692,980 @@
   <p:clrMapOvr>
     <a:masterClrMapping/>
   </p:clrMapOvr>
+  <p:transition>
+    <p:blinds/>
+  </p:transition>
+</p:sld>
+</file>
+
+<file path=ppt/slides/slide10.xml><?xml version="1.0" encoding="utf-8"?>
+<p:sld xmlns:a="http://schemas.openxmlformats.org/drawingml/2006/main" xmlns:r="http://schemas.openxmlformats.org/officeDocument/2006/relationships" xmlns:p="http://schemas.openxmlformats.org/presentationml/2006/main">
+  <p:cSld>
+    <p:spTree>
+      <p:nvGrpSpPr>
+        <p:cNvPr id="1" name=""/>
+        <p:cNvGrpSpPr/>
+        <p:nvPr/>
+      </p:nvGrpSpPr>
+      <p:grpSpPr/>
+      <p:sp>
+        <p:nvSpPr>
+          <p:cNvPr id="2" name="标题 1"/>
+          <p:cNvSpPr>
+            <a:spLocks noGrp="1"/>
+          </p:cNvSpPr>
+          <p:nvPr>
+            <p:ph type="title"/>
+          </p:nvPr>
+        </p:nvSpPr>
+        <p:spPr>
+          <a:xfrm>
+            <a:off x="838200" y="365125"/>
+            <a:ext cx="10515600" cy="5313045"/>
+          </a:xfrm>
+        </p:spPr>
+        <p:txBody>
+          <a:bodyPr>
+            <a:normAutofit/>
+          </a:bodyPr>
+          <a:p>
+            <a:r>
+              <a:rPr lang="en-US" altLang="zh-CN"/>
+              <a:t>loader </a:t>
+            </a:r>
+            <a:r>
+              <a:rPr lang="zh-CN" altLang="en-US"/>
+              <a:t>的周边工具：</a:t>
+            </a:r>
+            <a:br>
+              <a:rPr lang="zh-CN" altLang="en-US"/>
+            </a:br>
+            <a:r>
+              <a:rPr lang="en-US" altLang="zh-CN"/>
+              <a:t>loader-utils</a:t>
+            </a:r>
+            <a:r>
+              <a:rPr lang="zh-CN" altLang="en-US"/>
+              <a:t>：https://github.com/webpack/loader-utils</a:t>
+            </a:r>
+            <a:br>
+              <a:rPr lang="zh-CN" altLang="en-US"/>
+            </a:br>
+            <a:r>
+              <a:rPr lang="en-US" altLang="zh-CN"/>
+              <a:t>loader-runner</a:t>
+            </a:r>
+            <a:r>
+              <a:rPr lang="zh-CN" altLang="en-US"/>
+              <a:t>工具调试</a:t>
+            </a:r>
+            <a:r>
+              <a:rPr lang="en-US" altLang="zh-CN"/>
+              <a:t>loader</a:t>
+            </a:r>
+            <a:r>
+              <a:rPr lang="zh-CN" altLang="en-US"/>
+              <a:t>的单个文件，不依赖</a:t>
+            </a:r>
+            <a:br>
+              <a:rPr lang="zh-CN" altLang="en-US"/>
+            </a:br>
+            <a:r>
+              <a:rPr lang="zh-CN" altLang="en-US"/>
+              <a:t>https://www.npmjs.com/package/loader-runner</a:t>
+            </a:r>
+            <a:br>
+              <a:rPr lang="zh-CN" altLang="en-US"/>
+            </a:br>
+            <a:endParaRPr lang="zh-CN" altLang="en-US"/>
+          </a:p>
+        </p:txBody>
+      </p:sp>
+    </p:spTree>
+  </p:cSld>
+  <p:clrMapOvr>
+    <a:masterClrMapping/>
+  </p:clrMapOvr>
+</p:sld>
+</file>
+
+<file path=ppt/slides/slide11.xml><?xml version="1.0" encoding="utf-8"?>
+<p:sld xmlns:a="http://schemas.openxmlformats.org/drawingml/2006/main" xmlns:r="http://schemas.openxmlformats.org/officeDocument/2006/relationships" xmlns:p="http://schemas.openxmlformats.org/presentationml/2006/main">
+  <p:cSld>
+    <p:spTree>
+      <p:nvGrpSpPr>
+        <p:cNvPr id="1" name=""/>
+        <p:cNvGrpSpPr/>
+        <p:nvPr/>
+      </p:nvGrpSpPr>
+      <p:grpSpPr/>
+      <p:sp>
+        <p:nvSpPr>
+          <p:cNvPr id="2" name="标题 1"/>
+          <p:cNvSpPr>
+            <a:spLocks noGrp="1"/>
+          </p:cNvSpPr>
+          <p:nvPr>
+            <p:ph type="title"/>
+          </p:nvPr>
+        </p:nvSpPr>
+        <p:spPr>
+          <a:xfrm>
+            <a:off x="629920" y="1877060"/>
+            <a:ext cx="10515600" cy="3263900"/>
+          </a:xfrm>
+        </p:spPr>
+        <p:txBody>
+          <a:bodyPr>
+            <a:normAutofit/>
+          </a:bodyPr>
+          <a:p>
+            <a:r>
+              <a:rPr lang="en-US" altLang="zh-CN" sz="4000"/>
+              <a:t>plugin</a:t>
+            </a:r>
+            <a:r>
+              <a:rPr lang="zh-CN" altLang="en-US" sz="4000"/>
+              <a:t>：可以直接触及</a:t>
+            </a:r>
+            <a:r>
+              <a:rPr lang="en-US" altLang="zh-CN" sz="4000"/>
+              <a:t>webpack</a:t>
+            </a:r>
+            <a:r>
+              <a:rPr lang="zh-CN" altLang="en-US" sz="4000"/>
+              <a:t>的编译过程，插件能够钩入到每个编译触发的所有关键事件，编译的每一步都具备完全访问</a:t>
+            </a:r>
+            <a:r>
+              <a:rPr lang="en-US" altLang="zh-CN" sz="4000"/>
+              <a:t>compiler</a:t>
+            </a:r>
+            <a:r>
+              <a:rPr lang="zh-CN" altLang="en-US" sz="4000"/>
+              <a:t>对象的能力，如果某些钩子还可以访问</a:t>
+            </a:r>
+            <a:r>
+              <a:rPr lang="en-US" altLang="zh-CN" sz="4000"/>
+              <a:t>compilation</a:t>
+            </a:r>
+            <a:r>
+              <a:rPr lang="zh-CN" altLang="en-US" sz="4000"/>
+              <a:t>，完成比</a:t>
+            </a:r>
+            <a:r>
+              <a:rPr lang="en-US" altLang="zh-CN" sz="4000"/>
+              <a:t>loader</a:t>
+            </a:r>
+            <a:r>
+              <a:rPr lang="zh-CN" altLang="en-US" sz="4000"/>
+              <a:t>更强大的功能</a:t>
+            </a:r>
+            <a:endParaRPr lang="zh-CN" altLang="en-US" sz="4000"/>
+          </a:p>
+        </p:txBody>
+      </p:sp>
+    </p:spTree>
+  </p:cSld>
+  <p:clrMapOvr>
+    <a:masterClrMapping/>
+  </p:clrMapOvr>
+</p:sld>
+</file>
+
+<file path=ppt/slides/slide12.xml><?xml version="1.0" encoding="utf-8"?>
+<p:sld xmlns:a="http://schemas.openxmlformats.org/drawingml/2006/main" xmlns:r="http://schemas.openxmlformats.org/officeDocument/2006/relationships" xmlns:p="http://schemas.openxmlformats.org/presentationml/2006/main">
+  <p:cSld>
+    <p:spTree>
+      <p:nvGrpSpPr>
+        <p:cNvPr id="1" name=""/>
+        <p:cNvGrpSpPr/>
+        <p:nvPr/>
+      </p:nvGrpSpPr>
+      <p:grpSpPr/>
+      <p:sp>
+        <p:nvSpPr>
+          <p:cNvPr id="2" name="标题 1"/>
+          <p:cNvSpPr>
+            <a:spLocks noGrp="1"/>
+          </p:cNvSpPr>
+          <p:nvPr>
+            <p:ph type="title"/>
+          </p:nvPr>
+        </p:nvSpPr>
+        <p:spPr>
+          <a:xfrm>
+            <a:off x="838200" y="365125"/>
+            <a:ext cx="10515600" cy="6087110"/>
+          </a:xfrm>
+        </p:spPr>
+        <p:txBody>
+          <a:bodyPr>
+            <a:normAutofit/>
+          </a:bodyPr>
+          <a:p>
+            <a:r>
+              <a:rPr lang="en-US" altLang="zh-CN" sz="4000"/>
+              <a:t>plugin </a:t>
+            </a:r>
+            <a:r>
+              <a:rPr lang="zh-CN" altLang="en-US" sz="4000"/>
+              <a:t>的开发思路（看看源码为啥？）：</a:t>
+            </a:r>
+            <a:br>
+              <a:rPr lang="zh-CN" altLang="en-US" sz="4000"/>
+            </a:br>
+            <a:r>
+              <a:rPr lang="en-US" altLang="zh-CN" sz="4000"/>
+              <a:t>1</a:t>
+            </a:r>
+            <a:r>
+              <a:rPr lang="zh-CN" altLang="en-US" sz="4000"/>
+              <a:t>、导出一个函数，</a:t>
+            </a:r>
+            <a:br>
+              <a:rPr lang="zh-CN" altLang="en-US" sz="4000"/>
+            </a:br>
+            <a:r>
+              <a:rPr lang="en-US" altLang="zh-CN" sz="4000"/>
+              <a:t>2</a:t>
+            </a:r>
+            <a:r>
+              <a:rPr lang="zh-CN" altLang="en-US" sz="4000"/>
+              <a:t>、函数上面必须有一个</a:t>
+            </a:r>
+            <a:r>
+              <a:rPr lang="en-US" altLang="zh-CN" sz="4000"/>
+              <a:t>apply</a:t>
+            </a:r>
+            <a:r>
+              <a:rPr lang="zh-CN" altLang="en-US" sz="4000"/>
+              <a:t>方法可调用，上面可以访问</a:t>
+            </a:r>
+            <a:r>
+              <a:rPr lang="en-US" altLang="zh-CN" sz="4000"/>
+              <a:t>complier</a:t>
+            </a:r>
+            <a:r>
+              <a:rPr lang="zh-CN" altLang="en-US" sz="4000"/>
+              <a:t>对象</a:t>
+            </a:r>
+            <a:br>
+              <a:rPr lang="zh-CN" altLang="en-US" sz="4000"/>
+            </a:br>
+            <a:r>
+              <a:rPr lang="en-US" altLang="zh-CN" sz="4000"/>
+              <a:t>3</a:t>
+            </a:r>
+            <a:r>
+              <a:rPr lang="zh-CN" altLang="en-US" sz="4000"/>
+              <a:t>、在</a:t>
+            </a:r>
+            <a:r>
+              <a:rPr lang="en-US" altLang="zh-CN" sz="4000"/>
+              <a:t>apply</a:t>
+            </a:r>
+            <a:r>
+              <a:rPr lang="zh-CN" altLang="en-US" sz="4000"/>
+              <a:t>中指定一个钩子</a:t>
+            </a:r>
+            <a:br>
+              <a:rPr lang="zh-CN" altLang="en-US" sz="4000"/>
+            </a:br>
+            <a:r>
+              <a:rPr lang="en-US" altLang="zh-CN" sz="4000"/>
+              <a:t>4</a:t>
+            </a:r>
+            <a:r>
+              <a:rPr lang="zh-CN" altLang="en-US" sz="4000"/>
+              <a:t>、在事件钩子中使用</a:t>
+            </a:r>
+            <a:r>
+              <a:rPr lang="en-US" altLang="zh-CN" sz="4000"/>
+              <a:t>webpack</a:t>
+            </a:r>
+            <a:r>
+              <a:rPr lang="zh-CN" altLang="en-US" sz="4000"/>
+              <a:t>提供的</a:t>
+            </a:r>
+            <a:r>
+              <a:rPr lang="en-US" altLang="zh-CN" sz="4000"/>
+              <a:t>api</a:t>
+            </a:r>
+            <a:r>
+              <a:rPr lang="zh-CN" altLang="en-US" sz="4000"/>
+              <a:t>处理资源</a:t>
+            </a:r>
+            <a:br>
+              <a:rPr lang="zh-CN" altLang="en-US" sz="4000"/>
+            </a:br>
+            <a:r>
+              <a:rPr lang="en-US" altLang="zh-CN" sz="4000"/>
+              <a:t>5</a:t>
+            </a:r>
+            <a:r>
+              <a:rPr lang="zh-CN" altLang="en-US" sz="4000"/>
+              <a:t>、</a:t>
+            </a:r>
+            <a:r>
+              <a:rPr lang="en-US" altLang="zh-CN" sz="4000"/>
+              <a:t>webpack</a:t>
+            </a:r>
+            <a:r>
+              <a:rPr lang="zh-CN" altLang="en-US" sz="4000"/>
+              <a:t>提供的方法返回该资源，</a:t>
+            </a:r>
+            <a:br>
+              <a:rPr lang="zh-CN" altLang="en-US" sz="4000"/>
+            </a:br>
+            <a:r>
+              <a:rPr lang="en-US" altLang="zh-CN" sz="4000"/>
+              <a:t>6</a:t>
+            </a:r>
+            <a:r>
+              <a:rPr lang="zh-CN" altLang="en-US" sz="4000"/>
+              <a:t>、每个</a:t>
+            </a:r>
+            <a:r>
+              <a:rPr lang="en-US" altLang="zh-CN" sz="4000"/>
+              <a:t>plugin</a:t>
+            </a:r>
+            <a:r>
+              <a:rPr lang="zh-CN" altLang="en-US" sz="4000"/>
+              <a:t>上的</a:t>
+            </a:r>
+            <a:r>
+              <a:rPr lang="en-US" altLang="zh-CN" sz="4000"/>
+              <a:t>compiler</a:t>
+            </a:r>
+            <a:r>
+              <a:rPr lang="zh-CN" altLang="en-US" sz="4000"/>
+              <a:t>与</a:t>
+            </a:r>
+            <a:r>
+              <a:rPr lang="en-US" altLang="zh-CN" sz="4000"/>
+              <a:t>compilation</a:t>
+            </a:r>
+            <a:r>
+              <a:rPr lang="zh-CN" altLang="en-US" sz="4000"/>
+              <a:t>是相同的</a:t>
+            </a:r>
+            <a:endParaRPr lang="zh-CN" altLang="en-US" sz="4000"/>
+          </a:p>
+        </p:txBody>
+      </p:sp>
+    </p:spTree>
+  </p:cSld>
+  <p:clrMapOvr>
+    <a:masterClrMapping/>
+  </p:clrMapOvr>
+</p:sld>
+</file>
+
+<file path=ppt/slides/slide13.xml><?xml version="1.0" encoding="utf-8"?>
+<p:sld xmlns:a="http://schemas.openxmlformats.org/drawingml/2006/main" xmlns:r="http://schemas.openxmlformats.org/officeDocument/2006/relationships" xmlns:p="http://schemas.openxmlformats.org/presentationml/2006/main">
+  <p:cSld>
+    <p:spTree>
+      <p:nvGrpSpPr>
+        <p:cNvPr id="1" name=""/>
+        <p:cNvGrpSpPr/>
+        <p:nvPr/>
+      </p:nvGrpSpPr>
+      <p:grpSpPr/>
+      <p:sp>
+        <p:nvSpPr>
+          <p:cNvPr id="2" name="标题 1"/>
+          <p:cNvSpPr>
+            <a:spLocks noGrp="1"/>
+          </p:cNvSpPr>
+          <p:nvPr>
+            <p:ph type="title"/>
+          </p:nvPr>
+        </p:nvSpPr>
+        <p:spPr>
+          <a:xfrm>
+            <a:off x="838200" y="365125"/>
+            <a:ext cx="10515600" cy="6294755"/>
+          </a:xfrm>
+        </p:spPr>
+        <p:txBody>
+          <a:bodyPr/>
+          <a:p>
+            <a:r>
+              <a:rPr lang="zh-CN" altLang="en-US">
+                <a:solidFill>
+                  <a:srgbClr val="FF0000"/>
+                </a:solidFill>
+              </a:rPr>
+              <a:t>敲重点</a:t>
+            </a:r>
+            <a:endParaRPr lang="zh-CN" altLang="en-US">
+              <a:solidFill>
+                <a:srgbClr val="FF0000"/>
+              </a:solidFill>
+            </a:endParaRPr>
+          </a:p>
+        </p:txBody>
+      </p:sp>
+      <p:pic>
+        <p:nvPicPr>
+          <p:cNvPr id="3" name="图片 2"/>
+          <p:cNvPicPr>
+            <a:picLocks noChangeAspect="1"/>
+          </p:cNvPicPr>
+          <p:nvPr/>
+        </p:nvPicPr>
+        <p:blipFill>
+          <a:blip r:embed="rId1"/>
+          <a:stretch>
+            <a:fillRect/>
+          </a:stretch>
+        </p:blipFill>
+        <p:spPr>
+          <a:xfrm>
+            <a:off x="2790825" y="723900"/>
+            <a:ext cx="8077200" cy="5171440"/>
+          </a:xfrm>
+          <a:prstGeom prst="rect">
+            <a:avLst/>
+          </a:prstGeom>
+        </p:spPr>
+      </p:pic>
+      <p:sp>
+        <p:nvSpPr>
+          <p:cNvPr id="4" name="文本框 3"/>
+          <p:cNvSpPr txBox="1"/>
+          <p:nvPr/>
+        </p:nvSpPr>
+        <p:spPr>
+          <a:xfrm>
+            <a:off x="5431155" y="6220460"/>
+            <a:ext cx="1987550" cy="368300"/>
+          </a:xfrm>
+          <a:prstGeom prst="rect">
+            <a:avLst/>
+          </a:prstGeom>
+          <a:noFill/>
+        </p:spPr>
+        <p:txBody>
+          <a:bodyPr wrap="square" rtlCol="0">
+            <a:spAutoFit/>
+          </a:bodyPr>
+          <a:p>
+            <a:r>
+              <a:rPr lang="en-US" altLang="zh-CN"/>
+              <a:t>webpack</a:t>
+            </a:r>
+            <a:r>
+              <a:rPr lang="zh-CN" altLang="en-US"/>
+              <a:t>核心库</a:t>
+            </a:r>
+            <a:endParaRPr lang="zh-CN" altLang="en-US"/>
+          </a:p>
+        </p:txBody>
+      </p:sp>
+    </p:spTree>
+  </p:cSld>
+  <p:clrMapOvr>
+    <a:masterClrMapping/>
+  </p:clrMapOvr>
+</p:sld>
+</file>
+
+<file path=ppt/slides/slide14.xml><?xml version="1.0" encoding="utf-8"?>
+<p:sld xmlns:a="http://schemas.openxmlformats.org/drawingml/2006/main" xmlns:r="http://schemas.openxmlformats.org/officeDocument/2006/relationships" xmlns:p="http://schemas.openxmlformats.org/presentationml/2006/main">
+  <p:cSld>
+    <p:spTree>
+      <p:nvGrpSpPr>
+        <p:cNvPr id="1" name=""/>
+        <p:cNvGrpSpPr/>
+        <p:nvPr/>
+      </p:nvGrpSpPr>
+      <p:grpSpPr/>
+      <p:sp>
+        <p:nvSpPr>
+          <p:cNvPr id="2" name="标题 1"/>
+          <p:cNvSpPr>
+            <a:spLocks noGrp="1"/>
+          </p:cNvSpPr>
+          <p:nvPr>
+            <p:ph type="ctrTitle"/>
+          </p:nvPr>
+        </p:nvSpPr>
+        <p:spPr>
+          <a:xfrm>
+            <a:off x="1524000" y="1122680"/>
+            <a:ext cx="9144000" cy="2903855"/>
+          </a:xfrm>
+        </p:spPr>
+        <p:txBody>
+          <a:bodyPr>
+            <a:normAutofit/>
+          </a:bodyPr>
+          <a:p>
+            <a:pPr algn="l"/>
+            <a:r>
+              <a:rPr lang="zh-CN" altLang="en-US" sz="1600"/>
+              <a:t>SyncWaterfallHook 为串行同步执行，上一个事件处理函数的返回值作为参数传递给下一个事件处理函数。</a:t>
+            </a:r>
+            <a:br>
+              <a:rPr lang="zh-CN" altLang="en-US" sz="1600"/>
+            </a:br>
+            <a:r>
+              <a:rPr lang="zh-CN" altLang="en-US" sz="1600"/>
+              <a:t>SyncHook.js 是处理串行同步执行的文件，在触发事件之后，会按照事件注册的先后顺序执行所有的事件处理函数。</a:t>
+            </a:r>
+            <a:br>
+              <a:rPr lang="zh-CN" altLang="en-US" sz="1600"/>
+            </a:br>
+            <a:r>
+              <a:rPr lang="zh-CN" altLang="en-US" sz="1600"/>
+              <a:t>SyncBailHook.js同样为串行同步执行，如果事件处理函数执行时有一个返回值不为空。则跳过剩下未执行的事件处理函数。</a:t>
+            </a:r>
+            <a:br>
+              <a:rPr lang="zh-CN" altLang="en-US" sz="1600"/>
+            </a:br>
+            <a:r>
+              <a:rPr lang="zh-CN" altLang="en-US" sz="1600"/>
+              <a:t>SyncLoopHook 为串行同步执行，事件处理函数返回true表示继续循环，如果返回undefined的话，表示结束循环。</a:t>
+            </a:r>
+            <a:br>
+              <a:rPr lang="zh-CN" altLang="en-US" sz="1600"/>
+            </a:br>
+            <a:r>
+              <a:rPr lang="zh-CN" altLang="en-US" sz="1600"/>
+              <a:t>AsyncParallelHook 、asyncSeriesHook为异步并行执行，就是后者多一个回调函数</a:t>
+            </a:r>
+            <a:br>
+              <a:rPr lang="zh-CN" altLang="en-US" sz="1600"/>
+            </a:br>
+            <a:br>
+              <a:rPr lang="zh-CN" altLang="en-US" sz="1600"/>
+            </a:br>
+            <a:endParaRPr lang="zh-CN" altLang="en-US" sz="1600"/>
+          </a:p>
+        </p:txBody>
+      </p:sp>
+      <p:sp>
+        <p:nvSpPr>
+          <p:cNvPr id="3" name="副标题 2"/>
+          <p:cNvSpPr>
+            <a:spLocks noGrp="1"/>
+          </p:cNvSpPr>
+          <p:nvPr>
+            <p:ph type="subTitle" idx="1"/>
+          </p:nvPr>
+        </p:nvSpPr>
+        <p:spPr>
+          <a:xfrm>
+            <a:off x="1524000" y="4676140"/>
+            <a:ext cx="9144000" cy="1714500"/>
+          </a:xfrm>
+        </p:spPr>
+        <p:txBody>
+          <a:bodyPr>
+            <a:normAutofit/>
+          </a:bodyPr>
+          <a:p>
+            <a:r>
+              <a:rPr lang="en-US" altLang="zh-CN" sz="2800"/>
+              <a:t>hook暴露 tap, tapAsync 和 tapPromise 方法</a:t>
+            </a:r>
+            <a:r>
+              <a:rPr lang="zh-CN" altLang="en-US" sz="2800"/>
+              <a:t>，调用分别用</a:t>
+            </a:r>
+            <a:r>
+              <a:rPr lang="en-US" altLang="zh-CN" sz="2800"/>
+              <a:t>call</a:t>
+            </a:r>
+            <a:r>
+              <a:rPr lang="zh-CN" altLang="en-US" sz="2800"/>
+              <a:t>，</a:t>
+            </a:r>
+            <a:r>
+              <a:rPr lang="en-US" altLang="zh-CN" sz="2800"/>
+              <a:t>callAsync</a:t>
+            </a:r>
+            <a:r>
+              <a:rPr lang="zh-CN" altLang="en-US" sz="2800"/>
+              <a:t>，</a:t>
+            </a:r>
+            <a:r>
+              <a:rPr lang="en-US" altLang="zh-CN" sz="2800"/>
+              <a:t>promise</a:t>
+            </a:r>
+            <a:endParaRPr lang="en-US" altLang="zh-CN" sz="2800"/>
+          </a:p>
+        </p:txBody>
+      </p:sp>
+    </p:spTree>
+  </p:cSld>
+  <p:clrMapOvr>
+    <a:masterClrMapping/>
+  </p:clrMapOvr>
+</p:sld>
+</file>
+
+<file path=ppt/slides/slide15.xml><?xml version="1.0" encoding="utf-8"?>
+<p:sld xmlns:a="http://schemas.openxmlformats.org/drawingml/2006/main" xmlns:r="http://schemas.openxmlformats.org/officeDocument/2006/relationships" xmlns:p="http://schemas.openxmlformats.org/presentationml/2006/main">
+  <p:cSld>
+    <p:spTree>
+      <p:nvGrpSpPr>
+        <p:cNvPr id="1" name=""/>
+        <p:cNvGrpSpPr/>
+        <p:nvPr/>
+      </p:nvGrpSpPr>
+      <p:grpSpPr/>
+      <p:sp>
+        <p:nvSpPr>
+          <p:cNvPr id="2" name="标题 1"/>
+          <p:cNvSpPr>
+            <a:spLocks noGrp="1"/>
+          </p:cNvSpPr>
+          <p:nvPr>
+            <p:ph type="title"/>
+          </p:nvPr>
+        </p:nvSpPr>
+        <p:spPr>
+          <a:xfrm>
+            <a:off x="831850" y="317500"/>
+            <a:ext cx="10515600" cy="6169660"/>
+          </a:xfrm>
+        </p:spPr>
+        <p:txBody>
+          <a:bodyPr/>
+          <a:p>
+            <a:endParaRPr lang="zh-CN" altLang="en-US"/>
+          </a:p>
+        </p:txBody>
+      </p:sp>
+      <p:pic>
+        <p:nvPicPr>
+          <p:cNvPr id="5" name="图片 4"/>
+          <p:cNvPicPr>
+            <a:picLocks noChangeAspect="1"/>
+          </p:cNvPicPr>
+          <p:nvPr>
+            <p:custDataLst>
+              <p:tags r:id="rId1"/>
+            </p:custDataLst>
+          </p:nvPr>
+        </p:nvPicPr>
+        <p:blipFill>
+          <a:blip r:embed="rId2"/>
+          <a:stretch>
+            <a:fillRect/>
+          </a:stretch>
+        </p:blipFill>
+        <p:spPr>
+          <a:xfrm>
+            <a:off x="892810" y="1245235"/>
+            <a:ext cx="10139680" cy="5185410"/>
+          </a:xfrm>
+          <a:prstGeom prst="rect">
+            <a:avLst/>
+          </a:prstGeom>
+        </p:spPr>
+      </p:pic>
+    </p:spTree>
+  </p:cSld>
+  <p:clrMapOvr>
+    <a:masterClrMapping/>
+  </p:clrMapOvr>
+</p:sld>
+</file>
+
+<file path=ppt/slides/slide16.xml><?xml version="1.0" encoding="utf-8"?>
+<p:sld xmlns:a="http://schemas.openxmlformats.org/drawingml/2006/main" xmlns:r="http://schemas.openxmlformats.org/officeDocument/2006/relationships" xmlns:p="http://schemas.openxmlformats.org/presentationml/2006/main">
+  <p:cSld>
+    <p:spTree>
+      <p:nvGrpSpPr>
+        <p:cNvPr id="1" name=""/>
+        <p:cNvGrpSpPr/>
+        <p:nvPr/>
+      </p:nvGrpSpPr>
+      <p:grpSpPr/>
+      <p:sp>
+        <p:nvSpPr>
+          <p:cNvPr id="2" name="标题 1"/>
+          <p:cNvSpPr>
+            <a:spLocks noGrp="1"/>
+          </p:cNvSpPr>
+          <p:nvPr>
+            <p:ph type="title"/>
+          </p:nvPr>
+        </p:nvSpPr>
+        <p:spPr>
+          <a:xfrm>
+            <a:off x="838200" y="365125"/>
+            <a:ext cx="10515600" cy="6202045"/>
+          </a:xfrm>
+        </p:spPr>
+        <p:txBody>
+          <a:bodyPr>
+            <a:normAutofit fontScale="90000"/>
+          </a:bodyPr>
+          <a:p>
+            <a:br>
+              <a:rPr lang="zh-CN" altLang="en-US" sz="1600"/>
+            </a:br>
+            <a:r>
+              <a:rPr lang="zh-CN" altLang="en-US" sz="1600"/>
+              <a:t>class DemoPlugin {</a:t>
+            </a:r>
+            <a:br>
+              <a:rPr lang="zh-CN" altLang="en-US" sz="1600"/>
+            </a:br>
+            <a:r>
+              <a:rPr lang="zh-CN" altLang="en-US" sz="1600"/>
+              <a:t>    constructor() {</a:t>
+            </a:r>
+            <a:br>
+              <a:rPr lang="zh-CN" altLang="en-US" sz="1600"/>
+            </a:br>
+            <a:r>
+              <a:rPr lang="zh-CN" altLang="en-US" sz="1600"/>
+              <a:t>        console.log('init')</a:t>
+            </a:r>
+            <a:br>
+              <a:rPr lang="zh-CN" altLang="en-US" sz="1600"/>
+            </a:br>
+            <a:r>
+              <a:rPr lang="zh-CN" altLang="en-US" sz="1600"/>
+              <a:t>    }</a:t>
+            </a:r>
+            <a:br>
+              <a:rPr lang="zh-CN" altLang="en-US" sz="1600"/>
+            </a:br>
+            <a:r>
+              <a:rPr lang="zh-CN" altLang="en-US" sz="1600"/>
+              <a:t>    //钩子的执行事件怎么确定的？对应到事件是上面是怎么对应到</a:t>
+            </a:r>
+            <a:br>
+              <a:rPr lang="zh-CN" altLang="en-US" sz="1600"/>
+            </a:br>
+            <a:r>
+              <a:rPr lang="zh-CN" altLang="en-US" sz="1600"/>
+              <a:t>    apply(compiler) {</a:t>
+            </a:r>
+            <a:br>
+              <a:rPr lang="zh-CN" altLang="en-US" sz="1600"/>
+            </a:br>
+            <a:r>
+              <a:rPr lang="zh-CN" altLang="en-US" sz="1600"/>
+              <a:t>        </a:t>
+            </a:r>
+            <a:br>
+              <a:rPr lang="zh-CN" altLang="en-US" sz="1600"/>
+            </a:br>
+            <a:r>
+              <a:rPr lang="zh-CN" altLang="en-US" sz="1600"/>
+              <a:t>        compiler.hooks.emit.tapAsync('bbb',(compilation,fn) =&gt; {</a:t>
+            </a:r>
+            <a:br>
+              <a:rPr lang="zh-CN" altLang="en-US" sz="1600"/>
+            </a:br>
+            <a:r>
+              <a:rPr lang="zh-CN" altLang="en-US" sz="1600"/>
+              <a:t>            let fileList = 'in this build:\n\n'</a:t>
+            </a:r>
+            <a:br>
+              <a:rPr lang="zh-CN" altLang="en-US" sz="1600"/>
+            </a:br>
+            <a:r>
+              <a:rPr lang="zh-CN" altLang="en-US" sz="1600"/>
+              <a:t>            console.log(compilation.assets)</a:t>
+            </a:r>
+            <a:br>
+              <a:rPr lang="zh-CN" altLang="en-US" sz="1600"/>
+            </a:br>
+            <a:r>
+              <a:rPr lang="zh-CN" altLang="en-US" sz="1600"/>
+              <a:t>            for(var filename in compilation.assets){</a:t>
+            </a:r>
+            <a:br>
+              <a:rPr lang="zh-CN" altLang="en-US" sz="1600"/>
+            </a:br>
+            <a:r>
+              <a:rPr lang="zh-CN" altLang="en-US" sz="1600"/>
+              <a:t>                fileList+='-'+filename+'\n'</a:t>
+            </a:r>
+            <a:br>
+              <a:rPr lang="zh-CN" altLang="en-US" sz="1600"/>
+            </a:br>
+            <a:r>
+              <a:rPr lang="zh-CN" altLang="en-US" sz="1600"/>
+              <a:t>            }</a:t>
+            </a:r>
+            <a:br>
+              <a:rPr lang="zh-CN" altLang="en-US" sz="1600"/>
+            </a:br>
+            <a:r>
+              <a:rPr lang="zh-CN" altLang="en-US" sz="1600"/>
+              <a:t>            compilation.assets['index.md']={</a:t>
+            </a:r>
+            <a:br>
+              <a:rPr lang="zh-CN" altLang="en-US" sz="1600"/>
+            </a:br>
+            <a:r>
+              <a:rPr lang="zh-CN" altLang="en-US" sz="1600"/>
+              <a:t>                source:function (){</a:t>
+            </a:r>
+            <a:br>
+              <a:rPr lang="zh-CN" altLang="en-US" sz="1600"/>
+            </a:br>
+            <a:r>
+              <a:rPr lang="zh-CN" altLang="en-US" sz="1600"/>
+              <a:t>                   return  fileList</a:t>
+            </a:r>
+            <a:br>
+              <a:rPr lang="zh-CN" altLang="en-US" sz="1600"/>
+            </a:br>
+            <a:r>
+              <a:rPr lang="zh-CN" altLang="en-US" sz="1600"/>
+              <a:t>                },</a:t>
+            </a:r>
+            <a:br>
+              <a:rPr lang="zh-CN" altLang="en-US" sz="1600"/>
+            </a:br>
+            <a:r>
+              <a:rPr lang="zh-CN" altLang="en-US" sz="1600"/>
+              <a:t>                size:function(){</a:t>
+            </a:r>
+            <a:br>
+              <a:rPr lang="zh-CN" altLang="en-US" sz="1600"/>
+            </a:br>
+            <a:r>
+              <a:rPr lang="zh-CN" altLang="en-US" sz="1600"/>
+              <a:t>                    return fileList.length</a:t>
+            </a:r>
+            <a:br>
+              <a:rPr lang="zh-CN" altLang="en-US" sz="1600"/>
+            </a:br>
+            <a:r>
+              <a:rPr lang="zh-CN" altLang="en-US" sz="1600"/>
+              <a:t>                }</a:t>
+            </a:r>
+            <a:br>
+              <a:rPr lang="zh-CN" altLang="en-US" sz="1600"/>
+            </a:br>
+            <a:r>
+              <a:rPr lang="zh-CN" altLang="en-US" sz="1600"/>
+              <a:t>            }</a:t>
+            </a:r>
+            <a:br>
+              <a:rPr lang="zh-CN" altLang="en-US" sz="1600"/>
+            </a:br>
+            <a:r>
+              <a:rPr lang="zh-CN" altLang="en-US" sz="1600"/>
+              <a:t>            fn()</a:t>
+            </a:r>
+            <a:br>
+              <a:rPr lang="zh-CN" altLang="en-US" sz="1600"/>
+            </a:br>
+            <a:r>
+              <a:rPr lang="zh-CN" altLang="en-US" sz="1600"/>
+              <a:t>        })</a:t>
+            </a:r>
+            <a:br>
+              <a:rPr lang="zh-CN" altLang="en-US" sz="1600"/>
+            </a:br>
+            <a:r>
+              <a:rPr lang="zh-CN" altLang="en-US" sz="1600"/>
+              <a:t>    }</a:t>
+            </a:r>
+            <a:br>
+              <a:rPr lang="zh-CN" altLang="en-US" sz="1600"/>
+            </a:br>
+            <a:r>
+              <a:rPr lang="zh-CN" altLang="en-US" sz="1600"/>
+              <a:t>}</a:t>
+            </a:r>
+            <a:br>
+              <a:rPr lang="zh-CN" altLang="en-US" sz="1600"/>
+            </a:br>
+            <a:br>
+              <a:rPr lang="zh-CN" altLang="en-US" sz="1600"/>
+            </a:br>
+            <a:r>
+              <a:rPr lang="zh-CN" altLang="en-US" sz="1600"/>
+              <a:t>module.exports = DemoPlugin</a:t>
+            </a:r>
+            <a:endParaRPr lang="zh-CN" altLang="en-US" sz="1600"/>
+          </a:p>
+        </p:txBody>
+      </p:sp>
+    </p:spTree>
+  </p:cSld>
+  <p:clrMapOvr>
+    <a:masterClrMapping/>
+  </p:clrMapOvr>
+</p:sld>
+</file>
+
+<file path=ppt/slides/slide17.xml><?xml version="1.0" encoding="utf-8"?>
+<p:sld xmlns:a="http://schemas.openxmlformats.org/drawingml/2006/main" xmlns:r="http://schemas.openxmlformats.org/officeDocument/2006/relationships" xmlns:p="http://schemas.openxmlformats.org/presentationml/2006/main">
+  <p:cSld>
+    <p:spTree>
+      <p:nvGrpSpPr>
+        <p:cNvPr id="1" name=""/>
+        <p:cNvGrpSpPr/>
+        <p:nvPr/>
+      </p:nvGrpSpPr>
+      <p:grpSpPr/>
+      <p:sp>
+        <p:nvSpPr>
+          <p:cNvPr id="2" name="标题 1"/>
+          <p:cNvSpPr>
+            <a:spLocks noGrp="1"/>
+          </p:cNvSpPr>
+          <p:nvPr>
+            <p:ph type="title"/>
+          </p:nvPr>
+        </p:nvSpPr>
+        <p:spPr>
+          <a:xfrm>
+            <a:off x="838200" y="365125"/>
+            <a:ext cx="10515600" cy="5161280"/>
+          </a:xfrm>
+        </p:spPr>
+        <p:txBody>
+          <a:bodyPr/>
+          <a:p>
+            <a:pPr algn="ctr"/>
+            <a:endParaRPr lang="zh-CN" altLang="en-US"/>
+          </a:p>
+        </p:txBody>
+      </p:sp>
+      <p:pic>
+        <p:nvPicPr>
+          <p:cNvPr id="3" name="图片 2"/>
+          <p:cNvPicPr>
+            <a:picLocks noChangeAspect="1"/>
+          </p:cNvPicPr>
+          <p:nvPr/>
+        </p:nvPicPr>
+        <p:blipFill>
+          <a:blip r:embed="rId1"/>
+          <a:stretch>
+            <a:fillRect/>
+          </a:stretch>
+        </p:blipFill>
+        <p:spPr>
+          <a:xfrm>
+            <a:off x="1104900" y="365125"/>
+            <a:ext cx="9055100" cy="5958840"/>
+          </a:xfrm>
+          <a:prstGeom prst="rect">
+            <a:avLst/>
+          </a:prstGeom>
+        </p:spPr>
+      </p:pic>
+    </p:spTree>
+  </p:cSld>
+  <p:clrMapOvr>
+    <a:masterClrMapping/>
+  </p:clrMapOvr>
 </p:sld>
 </file>
 
@@ -2714,7 +3697,7 @@
         </p:spPr>
         <p:txBody>
           <a:bodyPr>
-            <a:normAutofit/>
+            <a:noAutofit/>
           </a:bodyPr>
           <a:p>
             <a:r>
@@ -2790,7 +3773,11 @@
             </a:r>
             <a:r>
               <a:rPr lang="zh-CN" altLang="en-US"/>
-              <a:t>类型的入参，</a:t>
+              <a:t>类型的入参，最后一个</a:t>
+            </a:r>
+            <a:r>
+              <a:rPr lang="en-US" altLang="zh-CN"/>
+              <a:t>loader</a:t>
             </a:r>
             <a:r>
               <a:rPr lang="zh-CN" altLang="en-US">
@@ -2829,6 +3816,9 @@
   <p:clrMapOvr>
     <a:masterClrMapping/>
   </p:clrMapOvr>
+  <p:transition>
+    <p:blinds/>
+  </p:transition>
 </p:sld>
 </file>
 
@@ -2890,6 +3880,9 @@
   <p:clrMapOvr>
     <a:masterClrMapping/>
   </p:clrMapOvr>
+  <p:transition>
+    <p:blinds/>
+  </p:transition>
 </p:sld>
 </file>
 
@@ -2983,6 +3976,9 @@
   <p:clrMapOvr>
     <a:masterClrMapping/>
   </p:clrMapOvr>
+  <p:transition>
+    <p:blinds/>
+  </p:transition>
 </p:sld>
 </file>
 
@@ -3284,10 +4280,22 @@
             </a:br>
             <a:r>
               <a:rPr lang="zh-CN" altLang="en-US"/>
-              <a:t>    var callback = this.async();</a:t>
-            </a:r>
-            <a:br>
-              <a:rPr lang="zh-CN" altLang="en-US"/>
+              <a:t>    </a:t>
+            </a:r>
+            <a:r>
+              <a:rPr lang="zh-CN" altLang="en-US">
+                <a:solidFill>
+                  <a:srgbClr val="FF0000"/>
+                </a:solidFill>
+              </a:rPr>
+              <a:t>var callback = this.async();</a:t>
+            </a:r>
+            <a:br>
+              <a:rPr lang="zh-CN" altLang="en-US">
+                <a:solidFill>
+                  <a:srgbClr val="FF0000"/>
+                </a:solidFill>
+              </a:rPr>
             </a:br>
             <a:r>
               <a:rPr lang="zh-CN" altLang="en-US"/>
@@ -3360,87 +4368,41 @@
             <p:ph type="title"/>
           </p:nvPr>
         </p:nvSpPr>
-        <p:spPr/>
-        <p:txBody>
-          <a:bodyPr/>
-          <a:p>
-            <a:endParaRPr lang="zh-CN" altLang="en-US"/>
-          </a:p>
-        </p:txBody>
-      </p:sp>
-      <p:sp>
-        <p:nvSpPr>
-          <p:cNvPr id="3" name="文本占位符 2"/>
-          <p:cNvSpPr>
-            <a:spLocks noGrp="1"/>
-          </p:cNvSpPr>
-          <p:nvPr>
-            <p:ph type="body" idx="1"/>
-          </p:nvPr>
-        </p:nvSpPr>
         <p:spPr>
           <a:xfrm>
-            <a:off x="831850" y="5323205"/>
-            <a:ext cx="10515600" cy="1350645"/>
+            <a:off x="831850" y="317500"/>
+            <a:ext cx="10515600" cy="6169660"/>
           </a:xfrm>
         </p:spPr>
         <p:txBody>
           <a:bodyPr/>
           <a:p>
-            <a:r>
-              <a:rPr lang="zh-CN" altLang="en-US" sz="3600">
-                <a:solidFill>
-                  <a:schemeClr val="tx1"/>
-                </a:solidFill>
-                <a:sym typeface="+mn-ea"/>
-              </a:rPr>
-              <a:t>我们来实现一个简单的</a:t>
-            </a:r>
-            <a:r>
-              <a:rPr lang="en-US" altLang="zh-CN" sz="3600">
-                <a:solidFill>
-                  <a:schemeClr val="tx1"/>
-                </a:solidFill>
-                <a:sym typeface="+mn-ea"/>
-              </a:rPr>
-              <a:t>loader</a:t>
-            </a:r>
-            <a:r>
-              <a:rPr lang="zh-CN" altLang="en-US" sz="3600">
-                <a:solidFill>
-                  <a:schemeClr val="tx1"/>
-                </a:solidFill>
-                <a:sym typeface="+mn-ea"/>
-              </a:rPr>
-              <a:t>吧</a:t>
-            </a:r>
-            <a:endParaRPr lang="zh-CN" altLang="en-US" sz="3600">
-              <a:solidFill>
-                <a:schemeClr val="tx1"/>
-              </a:solidFill>
-              <a:sym typeface="+mn-ea"/>
-            </a:endParaRPr>
+            <a:endParaRPr lang="zh-CN" altLang="en-US"/>
           </a:p>
         </p:txBody>
       </p:sp>
       <p:pic>
         <p:nvPicPr>
-          <p:cNvPr id="4" name="图片 3"/>
+          <p:cNvPr id="5" name="图片 4"/>
           <p:cNvPicPr>
             <a:picLocks noChangeAspect="1"/>
           </p:cNvPicPr>
-          <p:nvPr/>
+          <p:nvPr>
+            <p:custDataLst>
+              <p:tags r:id="rId1"/>
+            </p:custDataLst>
+          </p:nvPr>
         </p:nvPicPr>
         <p:blipFill>
-          <a:blip r:embed="rId1"/>
+          <a:blip r:embed="rId2"/>
           <a:stretch>
             <a:fillRect/>
           </a:stretch>
         </p:blipFill>
         <p:spPr>
           <a:xfrm>
-            <a:off x="1076960" y="171450"/>
-            <a:ext cx="9247505" cy="5151755"/>
+            <a:off x="892810" y="1245235"/>
+            <a:ext cx="10139680" cy="5185410"/>
           </a:xfrm>
           <a:prstGeom prst="rect">
             <a:avLst/>
@@ -3455,9 +4417,206 @@
 </p:sld>
 </file>
 
+<file path=ppt/slides/slide9.xml><?xml version="1.0" encoding="utf-8"?>
+<p:sld xmlns:a="http://schemas.openxmlformats.org/drawingml/2006/main" xmlns:r="http://schemas.openxmlformats.org/officeDocument/2006/relationships" xmlns:p="http://schemas.openxmlformats.org/presentationml/2006/main">
+  <p:cSld>
+    <p:spTree>
+      <p:nvGrpSpPr>
+        <p:cNvPr id="1" name=""/>
+        <p:cNvGrpSpPr/>
+        <p:nvPr/>
+      </p:nvGrpSpPr>
+      <p:grpSpPr/>
+      <p:sp>
+        <p:nvSpPr>
+          <p:cNvPr id="2" name="标题 1"/>
+          <p:cNvSpPr>
+            <a:spLocks noGrp="1"/>
+          </p:cNvSpPr>
+          <p:nvPr>
+            <p:ph type="title"/>
+          </p:nvPr>
+        </p:nvSpPr>
+        <p:spPr>
+          <a:xfrm>
+            <a:off x="838200" y="365125"/>
+            <a:ext cx="10515600" cy="6130290"/>
+          </a:xfrm>
+        </p:spPr>
+        <p:txBody>
+          <a:bodyPr>
+            <a:normAutofit/>
+          </a:bodyPr>
+          <a:p>
+            <a:r>
+              <a:rPr lang="en-US" altLang="zh-CN" sz="2000"/>
+              <a:t>mk-loader</a:t>
+            </a:r>
+            <a:r>
+              <a:rPr lang="zh-CN" altLang="en-US" sz="2000"/>
+              <a:t>实现const path =require('path')</a:t>
+            </a:r>
+            <a:br>
+              <a:rPr lang="zh-CN" altLang="en-US" sz="2000"/>
+            </a:br>
+            <a:r>
+              <a:rPr lang="zh-CN" altLang="en-US" sz="2000"/>
+              <a:t>const fs = require('fs')</a:t>
+            </a:r>
+            <a:br>
+              <a:rPr lang="zh-CN" altLang="en-US" sz="2000"/>
+            </a:br>
+            <a:r>
+              <a:rPr lang="zh-CN" altLang="en-US" sz="2000"/>
+              <a:t>const { getOptions ,parseQuery } =require("loader-utils")</a:t>
+            </a:r>
+            <a:br>
+              <a:rPr lang="zh-CN" altLang="en-US" sz="2000"/>
+            </a:br>
+            <a:r>
+              <a:rPr lang="zh-CN" altLang="en-US" sz="2000"/>
+              <a:t>const marked = require("marked");</a:t>
+            </a:r>
+            <a:br>
+              <a:rPr lang="zh-CN" altLang="en-US" sz="2000"/>
+            </a:br>
+            <a:br>
+              <a:rPr lang="zh-CN" altLang="en-US" sz="2000"/>
+            </a:br>
+            <a:r>
+              <a:rPr lang="zh-CN" altLang="en-US" sz="2000"/>
+              <a:t>module.exports = function (source) {</a:t>
+            </a:r>
+            <a:br>
+              <a:rPr lang="zh-CN" altLang="en-US" sz="2000"/>
+            </a:br>
+            <a:r>
+              <a:rPr lang="zh-CN" altLang="en-US" sz="2000"/>
+              <a:t>  this.cacheable &amp;&amp; this.cacheable()</a:t>
+            </a:r>
+            <a:br>
+              <a:rPr lang="zh-CN" altLang="en-US" sz="2000"/>
+            </a:br>
+            <a:r>
+              <a:rPr lang="zh-CN" altLang="en-US" sz="2000"/>
+              <a:t>  const options = getOptions(this)</a:t>
+            </a:r>
+            <a:br>
+              <a:rPr lang="zh-CN" altLang="en-US" sz="2000"/>
+            </a:br>
+            <a:r>
+              <a:rPr lang="zh-CN" altLang="en-US" sz="2000"/>
+              <a:t>  try {</a:t>
+            </a:r>
+            <a:br>
+              <a:rPr lang="zh-CN" altLang="en-US" sz="2000"/>
+            </a:br>
+            <a:r>
+              <a:rPr lang="zh-CN" altLang="en-US" sz="2000"/>
+              <a:t>    let str = marked(source) </a:t>
+            </a:r>
+            <a:br>
+              <a:rPr lang="zh-CN" altLang="en-US" sz="2000"/>
+            </a:br>
+            <a:r>
+              <a:rPr lang="zh-CN" altLang="en-US" sz="2000"/>
+              <a:t>    let code = JSON.stringify(str).replace(/[\u2028\u2029]/g, str =&gt; str === '\u2029' ? '\\u2029' : '\\u2028');</a:t>
+            </a:r>
+            <a:br>
+              <a:rPr lang="zh-CN" altLang="en-US" sz="2000"/>
+            </a:br>
+            <a:r>
+              <a:rPr lang="zh-CN" altLang="en-US" sz="2000"/>
+              <a:t>    return  `// Exports\nexport default ${code};`</a:t>
+            </a:r>
+            <a:br>
+              <a:rPr lang="zh-CN" altLang="en-US" sz="2000"/>
+            </a:br>
+            <a:r>
+              <a:rPr lang="zh-CN" altLang="en-US" sz="2000"/>
+              <a:t>  } catch (err) {</a:t>
+            </a:r>
+            <a:br>
+              <a:rPr lang="zh-CN" altLang="en-US" sz="2000"/>
+            </a:br>
+            <a:r>
+              <a:rPr lang="zh-CN" altLang="en-US" sz="2000"/>
+              <a:t>    this.emitError(err);</a:t>
+            </a:r>
+            <a:br>
+              <a:rPr lang="zh-CN" altLang="en-US" sz="2000"/>
+            </a:br>
+            <a:r>
+              <a:rPr lang="zh-CN" altLang="en-US" sz="2000"/>
+              <a:t>    return null</a:t>
+            </a:r>
+            <a:br>
+              <a:rPr lang="zh-CN" altLang="en-US" sz="2000"/>
+            </a:br>
+            <a:r>
+              <a:rPr lang="zh-CN" altLang="en-US" sz="2000"/>
+              <a:t>  }</a:t>
+            </a:r>
+            <a:br>
+              <a:rPr lang="zh-CN" altLang="en-US" sz="2000"/>
+            </a:br>
+            <a:r>
+              <a:rPr lang="zh-CN" altLang="en-US" sz="2000"/>
+              <a:t>}</a:t>
+            </a:r>
+            <a:br>
+              <a:rPr lang="zh-CN" altLang="en-US" sz="2000"/>
+            </a:br>
+            <a:br>
+              <a:rPr lang="zh-CN" altLang="en-US" sz="2000"/>
+            </a:br>
+            <a:r>
+              <a:rPr lang="zh-CN" altLang="en-US" sz="2000"/>
+              <a:t>这是根据</a:t>
+            </a:r>
+            <a:r>
+              <a:rPr lang="en-US" altLang="zh-CN" sz="2000"/>
+              <a:t>html-loader</a:t>
+            </a:r>
+            <a:r>
+              <a:rPr lang="zh-CN" altLang="en-US" sz="2000"/>
+              <a:t>改变的版本，并不提倡，因为一个</a:t>
+            </a:r>
+            <a:r>
+              <a:rPr lang="en-US" altLang="zh-CN" sz="2000"/>
+              <a:t>loader</a:t>
+            </a:r>
+            <a:r>
+              <a:rPr lang="zh-CN" altLang="en-US" sz="2000"/>
+              <a:t>只实现一个功能</a:t>
+            </a:r>
+            <a:endParaRPr lang="zh-CN" altLang="en-US" sz="2000"/>
+          </a:p>
+        </p:txBody>
+      </p:sp>
+    </p:spTree>
+  </p:cSld>
+  <p:clrMapOvr>
+    <a:masterClrMapping/>
+  </p:clrMapOvr>
+</p:sld>
+</file>
+
 <file path=ppt/tags/tag1.xml><?xml version="1.0" encoding="utf-8"?>
 <p:tagLst xmlns:p="http://schemas.openxmlformats.org/presentationml/2006/main">
   <p:tag name="KSO_WM_SLIDE_MODEL_TYPE" val="cover"/>
+</p:tagLst>
+</file>
+
+<file path=ppt/tags/tag2.xml><?xml version="1.0" encoding="utf-8"?>
+<p:tagLst xmlns:p="http://schemas.openxmlformats.org/presentationml/2006/main">
+  <p:tag name="KSO_WM_UNIT_PLACING_PICTURE_USER_VIEWPORT" val="{&quot;height&quot;:2040,&quot;width&quot;:6821}"/>
+</p:tagLst>
+</file>
+
+<file path=ppt/tags/tag3.xml><?xml version="1.0" encoding="utf-8"?>
+<p:tagLst xmlns:p="http://schemas.openxmlformats.org/presentationml/2006/main">
+  <p:tag name="KSO_WM_UNIT_PLACING_PICTURE_USER_VIEWPORT" val="{&quot;height&quot;:2040,&quot;width&quot;:6821}"/>
 </p:tagLst>
 </file>
 
